--- a/bigbluebutton-config/web/default_de.pptx
+++ b/bigbluebutton-config/web/default_de.pptx
@@ -3286,8 +3286,8 @@
         </p:nvSpPr>
         <p:spPr>
           <a:xfrm>
-            <a:off x="4235520" y="3578672"/>
-            <a:ext cx="15582792" cy="564257"/>
+            <a:off x="4000681" y="3578672"/>
+            <a:ext cx="16052471" cy="564257"/>
           </a:xfrm>
           <a:prstGeom prst="rect">
             <a:avLst/>
@@ -3329,7 +3329,7 @@
             </a:r>
             <a:r>
               <a:rPr lang="de-DE" dirty="0"/>
-              <a:t>ist ein Open-Source-Web-Konferenzsystem entworfen für Onlineschulungen</a:t>
+              <a:t>ist ein Open-Source-Web-Konferenzsystem entworfen für Online-Schulungen</a:t>
             </a:r>
             <a:endParaRPr dirty="0"/>
           </a:p>
@@ -3624,7 +3624,7 @@
           <a:p>
             <a:r>
               <a:rPr lang="de-DE" dirty="0"/>
-              <a:t>Halten Sie Videokonferenzen ab.</a:t>
+              <a:t>Teilen Sie Ihre Webcam in einer Videokonferenz.</a:t>
             </a:r>
             <a:endParaRPr dirty="0"/>
           </a:p>
@@ -4042,7 +4042,7 @@
           <a:p>
             <a:r>
               <a:rPr lang="de-DE" dirty="0"/>
-              <a:t>Teilen Sie Ihre Nutzer für Gruppenarbeiten in Breakout-Räume ein.</a:t>
+              <a:t>Richten Sie Breakout-Räume für Arbeit in Kleingruppen ein.</a:t>
             </a:r>
             <a:endParaRPr dirty="0"/>
           </a:p>
@@ -4181,13 +4181,7 @@
           <a:p>
             <a:r>
               <a:rPr lang="de-DE" dirty="0"/>
-              <a:t>Befragen Sie Ihre Nutzer</a:t>
-            </a:r>
-          </a:p>
-          <a:p>
-            <a:r>
-              <a:rPr lang="de-DE" dirty="0"/>
-              <a:t>jederzeit.</a:t>
+              <a:t>Führen Sie Meinungs-umfragen für schnelle Meinungsbilder durch.</a:t>
             </a:r>
             <a:endParaRPr dirty="0"/>
           </a:p>
@@ -4333,7 +4327,7 @@
           <a:p>
             <a:r>
               <a:rPr lang="de-DE" dirty="0"/>
-              <a:t>Teilen Sie Ihren Bildschirm.</a:t>
+              <a:t>Teilen Sie Ihren Bildschirm oder einzelne Programmfenster.</a:t>
             </a:r>
             <a:endParaRPr dirty="0"/>
           </a:p>
@@ -4475,7 +4469,7 @@
           <a:p>
             <a:r>
               <a:rPr lang="de-DE" dirty="0"/>
-              <a:t>Erarbeiten Sie Ihre Ideen gemeinsam am Whiteboard.</a:t>
+              <a:t>Entwickeln Sie Ideen und Skizzen gemeinsam am Whiteboard. </a:t>
             </a:r>
             <a:endParaRPr dirty="0"/>
           </a:p>
